--- a/slides/Bank Marketing Campaign Analysis.pptx
+++ b/slides/Bank Marketing Campaign Analysis.pptx
@@ -116,6 +116,11 @@
       </a:defRPr>
     </a:lvl9pPr>
   </p:defaultTextStyle>
+  <p:extLst>
+    <p:ext uri="{EFAFB233-063F-42B5-8137-9DF3F51BA10A}">
+      <p15:sldGuideLst xmlns:p15="http://schemas.microsoft.com/office/powerpoint/2012/main"/>
+    </p:ext>
+  </p:extLst>
 </p:presentation>
 </file>
 
@@ -514,6 +519,157 @@
       </pc:sldChg>
     </pc:docChg>
   </pc:docChgLst>
+  <pc:docChgLst>
+    <pc:chgData name="Kumaran Ragunathan" userId="3f6d6a4399deb699" providerId="LiveId" clId="{2A277C25-EC64-47A6-8CAA-48AD4588F2C3}"/>
+    <pc:docChg chg="undo custSel modSld">
+      <pc:chgData name="Kumaran Ragunathan" userId="3f6d6a4399deb699" providerId="LiveId" clId="{2A277C25-EC64-47A6-8CAA-48AD4588F2C3}" dt="2020-02-07T17:58:56.329" v="20" actId="1076"/>
+      <pc:docMkLst>
+        <pc:docMk/>
+      </pc:docMkLst>
+      <pc:sldChg chg="addSp delSp modSp">
+        <pc:chgData name="Kumaran Ragunathan" userId="3f6d6a4399deb699" providerId="LiveId" clId="{2A277C25-EC64-47A6-8CAA-48AD4588F2C3}" dt="2020-02-07T17:58:56.329" v="20" actId="1076"/>
+        <pc:sldMkLst>
+          <pc:docMk/>
+          <pc:sldMk cId="2287638448" sldId="260"/>
+        </pc:sldMkLst>
+        <pc:spChg chg="mod">
+          <ac:chgData name="Kumaran Ragunathan" userId="3f6d6a4399deb699" providerId="LiveId" clId="{2A277C25-EC64-47A6-8CAA-48AD4588F2C3}" dt="2020-02-07T17:58:16.366" v="10" actId="1076"/>
+          <ac:spMkLst>
+            <pc:docMk/>
+            <pc:sldMk cId="2287638448" sldId="260"/>
+            <ac:spMk id="2" creationId="{300E323A-6B0B-4DF5-A188-AE349699284E}"/>
+          </ac:spMkLst>
+        </pc:spChg>
+        <pc:spChg chg="del">
+          <ac:chgData name="Kumaran Ragunathan" userId="3f6d6a4399deb699" providerId="LiveId" clId="{2A277C25-EC64-47A6-8CAA-48AD4588F2C3}" dt="2020-02-07T17:58:04.877" v="6" actId="478"/>
+          <ac:spMkLst>
+            <pc:docMk/>
+            <pc:sldMk cId="2287638448" sldId="260"/>
+            <ac:spMk id="3" creationId="{1680FD10-4EA8-4251-BCFA-BD2C3C1B20D6}"/>
+          </ac:spMkLst>
+        </pc:spChg>
+        <pc:spChg chg="mod">
+          <ac:chgData name="Kumaran Ragunathan" userId="3f6d6a4399deb699" providerId="LiveId" clId="{2A277C25-EC64-47A6-8CAA-48AD4588F2C3}" dt="2020-02-07T17:58:50.517" v="19" actId="1076"/>
+          <ac:spMkLst>
+            <pc:docMk/>
+            <pc:sldMk cId="2287638448" sldId="260"/>
+            <ac:spMk id="4" creationId="{756F7E5A-C3BF-4FB8-BF5F-9B668EC2CC03}"/>
+          </ac:spMkLst>
+        </pc:spChg>
+        <pc:spChg chg="mod">
+          <ac:chgData name="Kumaran Ragunathan" userId="3f6d6a4399deb699" providerId="LiveId" clId="{2A277C25-EC64-47A6-8CAA-48AD4588F2C3}" dt="2020-02-07T17:58:43.146" v="17" actId="1076"/>
+          <ac:spMkLst>
+            <pc:docMk/>
+            <pc:sldMk cId="2287638448" sldId="260"/>
+            <ac:spMk id="5" creationId="{892D372F-9368-46EF-981B-2001E1BDC164}"/>
+          </ac:spMkLst>
+        </pc:spChg>
+        <pc:spChg chg="add del mod">
+          <ac:chgData name="Kumaran Ragunathan" userId="3f6d6a4399deb699" providerId="LiveId" clId="{2A277C25-EC64-47A6-8CAA-48AD4588F2C3}" dt="2020-02-07T17:58:10.705" v="7" actId="478"/>
+          <ac:spMkLst>
+            <pc:docMk/>
+            <pc:sldMk cId="2287638448" sldId="260"/>
+            <ac:spMk id="7" creationId="{335A8A4D-BBCB-4CC5-94B9-1BB45B57688F}"/>
+          </ac:spMkLst>
+        </pc:spChg>
+        <pc:spChg chg="mod">
+          <ac:chgData name="Kumaran Ragunathan" userId="3f6d6a4399deb699" providerId="LiveId" clId="{2A277C25-EC64-47A6-8CAA-48AD4588F2C3}" dt="2020-02-07T17:58:18.441" v="11" actId="1076"/>
+          <ac:spMkLst>
+            <pc:docMk/>
+            <pc:sldMk cId="2287638448" sldId="260"/>
+            <ac:spMk id="15" creationId="{165DAA50-F89B-4D48-9AD4-6F8576E3C586}"/>
+          </ac:spMkLst>
+        </pc:spChg>
+        <pc:spChg chg="del">
+          <ac:chgData name="Kumaran Ragunathan" userId="3f6d6a4399deb699" providerId="LiveId" clId="{2A277C25-EC64-47A6-8CAA-48AD4588F2C3}" dt="2020-02-07T17:58:01.295" v="5" actId="478"/>
+          <ac:spMkLst>
+            <pc:docMk/>
+            <pc:sldMk cId="2287638448" sldId="260"/>
+            <ac:spMk id="17" creationId="{60317598-DBD3-484E-8C87-8674962009FE}"/>
+          </ac:spMkLst>
+        </pc:spChg>
+        <pc:spChg chg="mod">
+          <ac:chgData name="Kumaran Ragunathan" userId="3f6d6a4399deb699" providerId="LiveId" clId="{2A277C25-EC64-47A6-8CAA-48AD4588F2C3}" dt="2020-02-07T17:58:46.999" v="18" actId="1076"/>
+          <ac:spMkLst>
+            <pc:docMk/>
+            <pc:sldMk cId="2287638448" sldId="260"/>
+            <ac:spMk id="18" creationId="{497DE4D5-CEC2-4F32-858F-EB168433ED44}"/>
+          </ac:spMkLst>
+        </pc:spChg>
+        <pc:picChg chg="mod">
+          <ac:chgData name="Kumaran Ragunathan" userId="3f6d6a4399deb699" providerId="LiveId" clId="{2A277C25-EC64-47A6-8CAA-48AD4588F2C3}" dt="2020-02-07T17:58:56.329" v="20" actId="1076"/>
+          <ac:picMkLst>
+            <pc:docMk/>
+            <pc:sldMk cId="2287638448" sldId="260"/>
+            <ac:picMk id="9" creationId="{5480E24F-F236-4B2D-B053-5C4610ED28EE}"/>
+          </ac:picMkLst>
+        </pc:picChg>
+        <pc:picChg chg="mod">
+          <ac:chgData name="Kumaran Ragunathan" userId="3f6d6a4399deb699" providerId="LiveId" clId="{2A277C25-EC64-47A6-8CAA-48AD4588F2C3}" dt="2020-02-07T17:58:34.790" v="16" actId="1076"/>
+          <ac:picMkLst>
+            <pc:docMk/>
+            <pc:sldMk cId="2287638448" sldId="260"/>
+            <ac:picMk id="11" creationId="{1C9267B9-6E46-4025-8150-1DE03F8384C1}"/>
+          </ac:picMkLst>
+        </pc:picChg>
+        <pc:picChg chg="del">
+          <ac:chgData name="Kumaran Ragunathan" userId="3f6d6a4399deb699" providerId="LiveId" clId="{2A277C25-EC64-47A6-8CAA-48AD4588F2C3}" dt="2020-02-07T17:58:12.199" v="8" actId="478"/>
+          <ac:picMkLst>
+            <pc:docMk/>
+            <pc:sldMk cId="2287638448" sldId="260"/>
+            <ac:picMk id="13" creationId="{20596323-CE3A-4579-9383-BCB7FBE32624}"/>
+          </ac:picMkLst>
+        </pc:picChg>
+      </pc:sldChg>
+      <pc:sldChg chg="delSp modSp">
+        <pc:chgData name="Kumaran Ragunathan" userId="3f6d6a4399deb699" providerId="LiveId" clId="{2A277C25-EC64-47A6-8CAA-48AD4588F2C3}" dt="2020-02-07T17:56:51.200" v="4" actId="1076"/>
+        <pc:sldMkLst>
+          <pc:docMk/>
+          <pc:sldMk cId="4248826964" sldId="267"/>
+        </pc:sldMkLst>
+        <pc:spChg chg="mod">
+          <ac:chgData name="Kumaran Ragunathan" userId="3f6d6a4399deb699" providerId="LiveId" clId="{2A277C25-EC64-47A6-8CAA-48AD4588F2C3}" dt="2020-02-07T17:56:42.524" v="2" actId="1076"/>
+          <ac:spMkLst>
+            <pc:docMk/>
+            <pc:sldMk cId="4248826964" sldId="267"/>
+            <ac:spMk id="9" creationId="{DC1BFE89-1183-4A65-8382-B11BB19AF0B8}"/>
+          </ac:spMkLst>
+        </pc:spChg>
+        <pc:spChg chg="mod">
+          <ac:chgData name="Kumaran Ragunathan" userId="3f6d6a4399deb699" providerId="LiveId" clId="{2A277C25-EC64-47A6-8CAA-48AD4588F2C3}" dt="2020-02-07T17:56:46.773" v="3" actId="1076"/>
+          <ac:spMkLst>
+            <pc:docMk/>
+            <pc:sldMk cId="4248826964" sldId="267"/>
+            <ac:spMk id="10" creationId="{7B56FE76-7AE8-4EB1-9A31-7E5C2731DE56}"/>
+          </ac:spMkLst>
+        </pc:spChg>
+        <pc:graphicFrameChg chg="del">
+          <ac:chgData name="Kumaran Ragunathan" userId="3f6d6a4399deb699" providerId="LiveId" clId="{2A277C25-EC64-47A6-8CAA-48AD4588F2C3}" dt="2020-02-07T17:56:35.873" v="0" actId="478"/>
+          <ac:graphicFrameMkLst>
+            <pc:docMk/>
+            <pc:sldMk cId="4248826964" sldId="267"/>
+            <ac:graphicFrameMk id="6" creationId="{1EF587DB-6ACC-4DE6-A00A-D1276A8FFCB9}"/>
+          </ac:graphicFrameMkLst>
+        </pc:graphicFrameChg>
+        <pc:picChg chg="mod">
+          <ac:chgData name="Kumaran Ragunathan" userId="3f6d6a4399deb699" providerId="LiveId" clId="{2A277C25-EC64-47A6-8CAA-48AD4588F2C3}" dt="2020-02-07T17:56:51.200" v="4" actId="1076"/>
+          <ac:picMkLst>
+            <pc:docMk/>
+            <pc:sldMk cId="4248826964" sldId="267"/>
+            <ac:picMk id="7" creationId="{8A7D98A8-3E29-440F-9A53-3CE52864147A}"/>
+          </ac:picMkLst>
+        </pc:picChg>
+        <pc:picChg chg="mod">
+          <ac:chgData name="Kumaran Ragunathan" userId="3f6d6a4399deb699" providerId="LiveId" clId="{2A277C25-EC64-47A6-8CAA-48AD4588F2C3}" dt="2020-02-07T17:56:38.444" v="1" actId="1076"/>
+          <ac:picMkLst>
+            <pc:docMk/>
+            <pc:sldMk cId="4248826964" sldId="267"/>
+            <ac:picMk id="8" creationId="{A74A1DF6-0468-45DA-8BA9-F71563496AEB}"/>
+          </ac:picMkLst>
+        </pc:picChg>
+      </pc:sldChg>
+    </pc:docChg>
+  </pc:docChgLst>
 </pc:chgInfo>
 </file>
 
@@ -666,7 +822,7 @@
           <a:p>
             <a:fld id="{EA0AD297-A873-4323-BEB3-B64D78C8EE14}" type="datetimeFigureOut">
               <a:rPr lang="en-CA" smtClean="0"/>
-              <a:t>2020-02-06</a:t>
+              <a:t>2020-02-07</a:t>
             </a:fld>
             <a:endParaRPr lang="en-CA"/>
           </a:p>
@@ -866,7 +1022,7 @@
           <a:p>
             <a:fld id="{EA0AD297-A873-4323-BEB3-B64D78C8EE14}" type="datetimeFigureOut">
               <a:rPr lang="en-CA" smtClean="0"/>
-              <a:t>2020-02-06</a:t>
+              <a:t>2020-02-07</a:t>
             </a:fld>
             <a:endParaRPr lang="en-CA"/>
           </a:p>
@@ -1076,7 +1232,7 @@
           <a:p>
             <a:fld id="{EA0AD297-A873-4323-BEB3-B64D78C8EE14}" type="datetimeFigureOut">
               <a:rPr lang="en-CA" smtClean="0"/>
-              <a:t>2020-02-06</a:t>
+              <a:t>2020-02-07</a:t>
             </a:fld>
             <a:endParaRPr lang="en-CA"/>
           </a:p>
@@ -1276,7 +1432,7 @@
           <a:p>
             <a:fld id="{EA0AD297-A873-4323-BEB3-B64D78C8EE14}" type="datetimeFigureOut">
               <a:rPr lang="en-CA" smtClean="0"/>
-              <a:t>2020-02-06</a:t>
+              <a:t>2020-02-07</a:t>
             </a:fld>
             <a:endParaRPr lang="en-CA"/>
           </a:p>
@@ -1552,7 +1708,7 @@
           <a:p>
             <a:fld id="{EA0AD297-A873-4323-BEB3-B64D78C8EE14}" type="datetimeFigureOut">
               <a:rPr lang="en-CA" smtClean="0"/>
-              <a:t>2020-02-06</a:t>
+              <a:t>2020-02-07</a:t>
             </a:fld>
             <a:endParaRPr lang="en-CA"/>
           </a:p>
@@ -1820,7 +1976,7 @@
           <a:p>
             <a:fld id="{EA0AD297-A873-4323-BEB3-B64D78C8EE14}" type="datetimeFigureOut">
               <a:rPr lang="en-CA" smtClean="0"/>
-              <a:t>2020-02-06</a:t>
+              <a:t>2020-02-07</a:t>
             </a:fld>
             <a:endParaRPr lang="en-CA"/>
           </a:p>
@@ -2235,7 +2391,7 @@
           <a:p>
             <a:fld id="{EA0AD297-A873-4323-BEB3-B64D78C8EE14}" type="datetimeFigureOut">
               <a:rPr lang="en-CA" smtClean="0"/>
-              <a:t>2020-02-06</a:t>
+              <a:t>2020-02-07</a:t>
             </a:fld>
             <a:endParaRPr lang="en-CA"/>
           </a:p>
@@ -2377,7 +2533,7 @@
           <a:p>
             <a:fld id="{EA0AD297-A873-4323-BEB3-B64D78C8EE14}" type="datetimeFigureOut">
               <a:rPr lang="en-CA" smtClean="0"/>
-              <a:t>2020-02-06</a:t>
+              <a:t>2020-02-07</a:t>
             </a:fld>
             <a:endParaRPr lang="en-CA"/>
           </a:p>
@@ -2490,7 +2646,7 @@
           <a:p>
             <a:fld id="{EA0AD297-A873-4323-BEB3-B64D78C8EE14}" type="datetimeFigureOut">
               <a:rPr lang="en-CA" smtClean="0"/>
-              <a:t>2020-02-06</a:t>
+              <a:t>2020-02-07</a:t>
             </a:fld>
             <a:endParaRPr lang="en-CA"/>
           </a:p>
@@ -2803,7 +2959,7 @@
           <a:p>
             <a:fld id="{EA0AD297-A873-4323-BEB3-B64D78C8EE14}" type="datetimeFigureOut">
               <a:rPr lang="en-CA" smtClean="0"/>
-              <a:t>2020-02-06</a:t>
+              <a:t>2020-02-07</a:t>
             </a:fld>
             <a:endParaRPr lang="en-CA"/>
           </a:p>
@@ -3092,7 +3248,7 @@
           <a:p>
             <a:fld id="{EA0AD297-A873-4323-BEB3-B64D78C8EE14}" type="datetimeFigureOut">
               <a:rPr lang="en-CA" smtClean="0"/>
-              <a:t>2020-02-06</a:t>
+              <a:t>2020-02-07</a:t>
             </a:fld>
             <a:endParaRPr lang="en-CA"/>
           </a:p>
@@ -3344,7 +3500,7 @@
           <a:p>
             <a:fld id="{EA0AD297-A873-4323-BEB3-B64D78C8EE14}" type="datetimeFigureOut">
               <a:rPr lang="en-CA" smtClean="0"/>
-              <a:t>2020-02-06</a:t>
+              <a:t>2020-02-07</a:t>
             </a:fld>
             <a:endParaRPr lang="en-CA"/>
           </a:p>
@@ -4219,1014 +4375,6 @@
           </a:p>
         </p:txBody>
       </p:sp>
-      <p:graphicFrame>
-        <p:nvGraphicFramePr>
-          <p:cNvPr id="6" name="Table 5">
-            <a:extLst>
-              <a:ext uri="{FF2B5EF4-FFF2-40B4-BE49-F238E27FC236}">
-                <a16:creationId xmlns:a16="http://schemas.microsoft.com/office/drawing/2014/main" id="{1EF587DB-6ACC-4DE6-A00A-D1276A8FFCB9}"/>
-              </a:ext>
-            </a:extLst>
-          </p:cNvPr>
-          <p:cNvGraphicFramePr>
-            <a:graphicFrameLocks noGrp="1"/>
-          </p:cNvGraphicFramePr>
-          <p:nvPr>
-            <p:extLst>
-              <p:ext uri="{D42A27DB-BD31-4B8C-83A1-F6EECF244321}">
-                <p14:modId xmlns:p14="http://schemas.microsoft.com/office/powerpoint/2010/main" val="2607732719"/>
-              </p:ext>
-            </p:extLst>
-          </p:nvPr>
-        </p:nvGraphicFramePr>
-        <p:xfrm>
-          <a:off x="707571" y="2198523"/>
-          <a:ext cx="3918858" cy="3200400"/>
-        </p:xfrm>
-        <a:graphic>
-          <a:graphicData uri="http://schemas.openxmlformats.org/drawingml/2006/table">
-            <a:tbl>
-              <a:tblPr/>
-              <a:tblGrid>
-                <a:gridCol w="2803483">
-                  <a:extLst>
-                    <a:ext uri="{9D8B030D-6E8A-4147-A177-3AD203B41FA5}">
-                      <a16:colId xmlns:a16="http://schemas.microsoft.com/office/drawing/2014/main" val="3596117994"/>
-                    </a:ext>
-                  </a:extLst>
-                </a:gridCol>
-                <a:gridCol w="1115375">
-                  <a:extLst>
-                    <a:ext uri="{9D8B030D-6E8A-4147-A177-3AD203B41FA5}">
-                      <a16:colId xmlns:a16="http://schemas.microsoft.com/office/drawing/2014/main" val="218328432"/>
-                    </a:ext>
-                  </a:extLst>
-                </a:gridCol>
-              </a:tblGrid>
-              <a:tr h="635667">
-                <a:tc>
-                  <a:txBody>
-                    <a:bodyPr/>
-                    <a:lstStyle/>
-                    <a:p>
-                      <a:pPr marL="0" marR="0" lvl="0" indent="0" algn="l" defTabSz="914400" rtl="0" eaLnBrk="1" fontAlgn="auto" latinLnBrk="0" hangingPunct="1">
-                        <a:lnSpc>
-                          <a:spcPct val="100000"/>
-                        </a:lnSpc>
-                        <a:spcBef>
-                          <a:spcPts val="0"/>
-                        </a:spcBef>
-                        <a:spcAft>
-                          <a:spcPts val="0"/>
-                        </a:spcAft>
-                        <a:buClrTx/>
-                        <a:buSzTx/>
-                        <a:buFontTx/>
-                        <a:buNone/>
-                        <a:tabLst/>
-                        <a:defRPr/>
-                      </a:pPr>
-                      <a:r>
-                        <a:rPr lang="en-CA" b="1" dirty="0">
-                          <a:effectLst/>
-                        </a:rPr>
-                        <a:t>classifier</a:t>
-                      </a:r>
-                    </a:p>
-                    <a:p>
-                      <a:endParaRPr lang="en-CA" b="1" dirty="0">
-                        <a:effectLst/>
-                      </a:endParaRPr>
-                    </a:p>
-                  </a:txBody>
-                  <a:tcPr marL="99060" marR="99060" anchor="ctr">
-                    <a:lnL w="7620" cap="flat" cmpd="sng" algn="ctr">
-                      <a:solidFill>
-                        <a:srgbClr val="DFE2E5"/>
-                      </a:solidFill>
-                      <a:prstDash val="solid"/>
-                      <a:round/>
-                      <a:headEnd type="none" w="med" len="med"/>
-                      <a:tailEnd type="none" w="med" len="med"/>
-                    </a:lnL>
-                    <a:lnR w="7620" cap="flat" cmpd="sng" algn="ctr">
-                      <a:solidFill>
-                        <a:srgbClr val="DFE2E5"/>
-                      </a:solidFill>
-                      <a:prstDash val="solid"/>
-                      <a:round/>
-                      <a:headEnd type="none" w="med" len="med"/>
-                      <a:tailEnd type="none" w="med" len="med"/>
-                    </a:lnR>
-                    <a:lnT w="7620" cap="flat" cmpd="sng" algn="ctr">
-                      <a:solidFill>
-                        <a:srgbClr val="DFE2E5"/>
-                      </a:solidFill>
-                      <a:prstDash val="solid"/>
-                      <a:round/>
-                      <a:headEnd type="none" w="med" len="med"/>
-                      <a:tailEnd type="none" w="med" len="med"/>
-                    </a:lnT>
-                    <a:lnB w="7620" cap="flat" cmpd="sng" algn="ctr">
-                      <a:solidFill>
-                        <a:srgbClr val="DFE2E5"/>
-                      </a:solidFill>
-                      <a:prstDash val="solid"/>
-                      <a:round/>
-                      <a:headEnd type="none" w="med" len="med"/>
-                      <a:tailEnd type="none" w="med" len="med"/>
-                    </a:lnB>
-                    <a:solidFill>
-                      <a:srgbClr val="FFFFFF"/>
-                    </a:solidFill>
-                  </a:tcPr>
-                </a:tc>
-                <a:tc>
-                  <a:txBody>
-                    <a:bodyPr/>
-                    <a:lstStyle/>
-                    <a:p>
-                      <a:pPr marL="0" marR="0" lvl="0" indent="0" algn="l" defTabSz="914400" rtl="0" eaLnBrk="1" fontAlgn="auto" latinLnBrk="0" hangingPunct="1">
-                        <a:lnSpc>
-                          <a:spcPct val="100000"/>
-                        </a:lnSpc>
-                        <a:spcBef>
-                          <a:spcPts val="0"/>
-                        </a:spcBef>
-                        <a:spcAft>
-                          <a:spcPts val="0"/>
-                        </a:spcAft>
-                        <a:buClrTx/>
-                        <a:buSzTx/>
-                        <a:buFontTx/>
-                        <a:buNone/>
-                        <a:tabLst/>
-                        <a:defRPr/>
-                      </a:pPr>
-                      <a:r>
-                        <a:rPr lang="en-CA" b="1" dirty="0">
-                          <a:effectLst/>
-                        </a:rPr>
-                        <a:t>f1-score</a:t>
-                      </a:r>
-                    </a:p>
-                    <a:p>
-                      <a:endParaRPr lang="en-CA" dirty="0"/>
-                    </a:p>
-                  </a:txBody>
-                  <a:tcPr>
-                    <a:lnL w="7620" cap="flat" cmpd="sng" algn="ctr">
-                      <a:solidFill>
-                        <a:srgbClr val="DFE2E5"/>
-                      </a:solidFill>
-                      <a:prstDash val="solid"/>
-                      <a:round/>
-                      <a:headEnd type="none" w="med" len="med"/>
-                      <a:tailEnd type="none" w="med" len="med"/>
-                    </a:lnL>
-                    <a:lnB w="7620" cap="flat" cmpd="sng" algn="ctr">
-                      <a:solidFill>
-                        <a:srgbClr val="DFE2E5"/>
-                      </a:solidFill>
-                      <a:prstDash val="solid"/>
-                      <a:round/>
-                      <a:headEnd type="none" w="med" len="med"/>
-                      <a:tailEnd type="none" w="med" len="med"/>
-                    </a:lnB>
-                  </a:tcPr>
-                </a:tc>
-                <a:extLst>
-                  <a:ext uri="{0D108BD9-81ED-4DB2-BD59-A6C34878D82A}">
-                    <a16:rowId xmlns:a16="http://schemas.microsoft.com/office/drawing/2014/main" val="898485818"/>
-                  </a:ext>
-                </a:extLst>
-              </a:tr>
-              <a:tr h="363238">
-                <a:tc>
-                  <a:txBody>
-                    <a:bodyPr/>
-                    <a:lstStyle/>
-                    <a:p>
-                      <a:r>
-                        <a:rPr lang="en-CA">
-                          <a:effectLst/>
-                        </a:rPr>
-                        <a:t>GradientBoostingClassifier</a:t>
-                      </a:r>
-                    </a:p>
-                  </a:txBody>
-                  <a:tcPr marL="99060" marR="99060" anchor="ctr">
-                    <a:lnL w="7620" cap="flat" cmpd="sng" algn="ctr">
-                      <a:solidFill>
-                        <a:srgbClr val="DFE2E5"/>
-                      </a:solidFill>
-                      <a:prstDash val="solid"/>
-                      <a:round/>
-                      <a:headEnd type="none" w="med" len="med"/>
-                      <a:tailEnd type="none" w="med" len="med"/>
-                    </a:lnL>
-                    <a:lnR w="7620" cap="flat" cmpd="sng" algn="ctr">
-                      <a:solidFill>
-                        <a:srgbClr val="DFE2E5"/>
-                      </a:solidFill>
-                      <a:prstDash val="solid"/>
-                      <a:round/>
-                      <a:headEnd type="none" w="med" len="med"/>
-                      <a:tailEnd type="none" w="med" len="med"/>
-                    </a:lnR>
-                    <a:lnT w="7620" cap="flat" cmpd="sng" algn="ctr">
-                      <a:solidFill>
-                        <a:srgbClr val="DFE2E5"/>
-                      </a:solidFill>
-                      <a:prstDash val="solid"/>
-                      <a:round/>
-                      <a:headEnd type="none" w="med" len="med"/>
-                      <a:tailEnd type="none" w="med" len="med"/>
-                    </a:lnT>
-                    <a:lnB w="7620" cap="flat" cmpd="sng" algn="ctr">
-                      <a:solidFill>
-                        <a:srgbClr val="DFE2E5"/>
-                      </a:solidFill>
-                      <a:prstDash val="solid"/>
-                      <a:round/>
-                      <a:headEnd type="none" w="med" len="med"/>
-                      <a:tailEnd type="none" w="med" len="med"/>
-                    </a:lnB>
-                    <a:solidFill>
-                      <a:srgbClr val="FFFFFF"/>
-                    </a:solidFill>
-                  </a:tcPr>
-                </a:tc>
-                <a:tc>
-                  <a:txBody>
-                    <a:bodyPr/>
-                    <a:lstStyle/>
-                    <a:p>
-                      <a:r>
-                        <a:rPr lang="en-CA">
-                          <a:effectLst/>
-                        </a:rPr>
-                        <a:t>0.475578</a:t>
-                      </a:r>
-                    </a:p>
-                  </a:txBody>
-                  <a:tcPr marL="99060" marR="99060" anchor="ctr">
-                    <a:lnL w="7620" cap="flat" cmpd="sng" algn="ctr">
-                      <a:solidFill>
-                        <a:srgbClr val="DFE2E5"/>
-                      </a:solidFill>
-                      <a:prstDash val="solid"/>
-                      <a:round/>
-                      <a:headEnd type="none" w="med" len="med"/>
-                      <a:tailEnd type="none" w="med" len="med"/>
-                    </a:lnL>
-                    <a:lnR w="7620" cap="flat" cmpd="sng" algn="ctr">
-                      <a:solidFill>
-                        <a:srgbClr val="DFE2E5"/>
-                      </a:solidFill>
-                      <a:prstDash val="solid"/>
-                      <a:round/>
-                      <a:headEnd type="none" w="med" len="med"/>
-                      <a:tailEnd type="none" w="med" len="med"/>
-                    </a:lnR>
-                    <a:lnT w="7620" cap="flat" cmpd="sng" algn="ctr">
-                      <a:solidFill>
-                        <a:srgbClr val="DFE2E5"/>
-                      </a:solidFill>
-                      <a:prstDash val="solid"/>
-                      <a:round/>
-                      <a:headEnd type="none" w="med" len="med"/>
-                      <a:tailEnd type="none" w="med" len="med"/>
-                    </a:lnT>
-                    <a:lnB w="7620" cap="flat" cmpd="sng" algn="ctr">
-                      <a:solidFill>
-                        <a:srgbClr val="DFE2E5"/>
-                      </a:solidFill>
-                      <a:prstDash val="solid"/>
-                      <a:round/>
-                      <a:headEnd type="none" w="med" len="med"/>
-                      <a:tailEnd type="none" w="med" len="med"/>
-                    </a:lnB>
-                    <a:solidFill>
-                      <a:srgbClr val="FFFFFF"/>
-                    </a:solidFill>
-                  </a:tcPr>
-                </a:tc>
-                <a:extLst>
-                  <a:ext uri="{0D108BD9-81ED-4DB2-BD59-A6C34878D82A}">
-                    <a16:rowId xmlns:a16="http://schemas.microsoft.com/office/drawing/2014/main" val="2100717386"/>
-                  </a:ext>
-                </a:extLst>
-              </a:tr>
-              <a:tr h="363238">
-                <a:tc>
-                  <a:txBody>
-                    <a:bodyPr/>
-                    <a:lstStyle/>
-                    <a:p>
-                      <a:r>
-                        <a:rPr lang="en-CA">
-                          <a:effectLst/>
-                        </a:rPr>
-                        <a:t>XGBClassifier</a:t>
-                      </a:r>
-                    </a:p>
-                  </a:txBody>
-                  <a:tcPr marL="99060" marR="99060" anchor="ctr">
-                    <a:lnL w="7620" cap="flat" cmpd="sng" algn="ctr">
-                      <a:solidFill>
-                        <a:srgbClr val="DFE2E5"/>
-                      </a:solidFill>
-                      <a:prstDash val="solid"/>
-                      <a:round/>
-                      <a:headEnd type="none" w="med" len="med"/>
-                      <a:tailEnd type="none" w="med" len="med"/>
-                    </a:lnL>
-                    <a:lnR w="7620" cap="flat" cmpd="sng" algn="ctr">
-                      <a:solidFill>
-                        <a:srgbClr val="DFE2E5"/>
-                      </a:solidFill>
-                      <a:prstDash val="solid"/>
-                      <a:round/>
-                      <a:headEnd type="none" w="med" len="med"/>
-                      <a:tailEnd type="none" w="med" len="med"/>
-                    </a:lnR>
-                    <a:lnT w="7620" cap="flat" cmpd="sng" algn="ctr">
-                      <a:solidFill>
-                        <a:srgbClr val="DFE2E5"/>
-                      </a:solidFill>
-                      <a:prstDash val="solid"/>
-                      <a:round/>
-                      <a:headEnd type="none" w="med" len="med"/>
-                      <a:tailEnd type="none" w="med" len="med"/>
-                    </a:lnT>
-                    <a:lnB w="7620" cap="flat" cmpd="sng" algn="ctr">
-                      <a:solidFill>
-                        <a:srgbClr val="DFE2E5"/>
-                      </a:solidFill>
-                      <a:prstDash val="solid"/>
-                      <a:round/>
-                      <a:headEnd type="none" w="med" len="med"/>
-                      <a:tailEnd type="none" w="med" len="med"/>
-                    </a:lnB>
-                    <a:solidFill>
-                      <a:srgbClr val="F6F8FA"/>
-                    </a:solidFill>
-                  </a:tcPr>
-                </a:tc>
-                <a:tc>
-                  <a:txBody>
-                    <a:bodyPr/>
-                    <a:lstStyle/>
-                    <a:p>
-                      <a:r>
-                        <a:rPr lang="en-CA">
-                          <a:effectLst/>
-                        </a:rPr>
-                        <a:t>0.473210</a:t>
-                      </a:r>
-                    </a:p>
-                  </a:txBody>
-                  <a:tcPr marL="99060" marR="99060" anchor="ctr">
-                    <a:lnL w="7620" cap="flat" cmpd="sng" algn="ctr">
-                      <a:solidFill>
-                        <a:srgbClr val="DFE2E5"/>
-                      </a:solidFill>
-                      <a:prstDash val="solid"/>
-                      <a:round/>
-                      <a:headEnd type="none" w="med" len="med"/>
-                      <a:tailEnd type="none" w="med" len="med"/>
-                    </a:lnL>
-                    <a:lnR w="7620" cap="flat" cmpd="sng" algn="ctr">
-                      <a:solidFill>
-                        <a:srgbClr val="DFE2E5"/>
-                      </a:solidFill>
-                      <a:prstDash val="solid"/>
-                      <a:round/>
-                      <a:headEnd type="none" w="med" len="med"/>
-                      <a:tailEnd type="none" w="med" len="med"/>
-                    </a:lnR>
-                    <a:lnT w="7620" cap="flat" cmpd="sng" algn="ctr">
-                      <a:solidFill>
-                        <a:srgbClr val="DFE2E5"/>
-                      </a:solidFill>
-                      <a:prstDash val="solid"/>
-                      <a:round/>
-                      <a:headEnd type="none" w="med" len="med"/>
-                      <a:tailEnd type="none" w="med" len="med"/>
-                    </a:lnT>
-                    <a:lnB w="7620" cap="flat" cmpd="sng" algn="ctr">
-                      <a:solidFill>
-                        <a:srgbClr val="DFE2E5"/>
-                      </a:solidFill>
-                      <a:prstDash val="solid"/>
-                      <a:round/>
-                      <a:headEnd type="none" w="med" len="med"/>
-                      <a:tailEnd type="none" w="med" len="med"/>
-                    </a:lnB>
-                    <a:solidFill>
-                      <a:srgbClr val="F6F8FA"/>
-                    </a:solidFill>
-                  </a:tcPr>
-                </a:tc>
-                <a:extLst>
-                  <a:ext uri="{0D108BD9-81ED-4DB2-BD59-A6C34878D82A}">
-                    <a16:rowId xmlns:a16="http://schemas.microsoft.com/office/drawing/2014/main" val="3456986290"/>
-                  </a:ext>
-                </a:extLst>
-              </a:tr>
-              <a:tr h="363238">
-                <a:tc>
-                  <a:txBody>
-                    <a:bodyPr/>
-                    <a:lstStyle/>
-                    <a:p>
-                      <a:r>
-                        <a:rPr lang="en-CA">
-                          <a:effectLst/>
-                        </a:rPr>
-                        <a:t>AdaBoostClassifier</a:t>
-                      </a:r>
-                    </a:p>
-                  </a:txBody>
-                  <a:tcPr marL="99060" marR="99060" anchor="ctr">
-                    <a:lnL w="7620" cap="flat" cmpd="sng" algn="ctr">
-                      <a:solidFill>
-                        <a:srgbClr val="DFE2E5"/>
-                      </a:solidFill>
-                      <a:prstDash val="solid"/>
-                      <a:round/>
-                      <a:headEnd type="none" w="med" len="med"/>
-                      <a:tailEnd type="none" w="med" len="med"/>
-                    </a:lnL>
-                    <a:lnR w="7620" cap="flat" cmpd="sng" algn="ctr">
-                      <a:solidFill>
-                        <a:srgbClr val="DFE2E5"/>
-                      </a:solidFill>
-                      <a:prstDash val="solid"/>
-                      <a:round/>
-                      <a:headEnd type="none" w="med" len="med"/>
-                      <a:tailEnd type="none" w="med" len="med"/>
-                    </a:lnR>
-                    <a:lnT w="7620" cap="flat" cmpd="sng" algn="ctr">
-                      <a:solidFill>
-                        <a:srgbClr val="DFE2E5"/>
-                      </a:solidFill>
-                      <a:prstDash val="solid"/>
-                      <a:round/>
-                      <a:headEnd type="none" w="med" len="med"/>
-                      <a:tailEnd type="none" w="med" len="med"/>
-                    </a:lnT>
-                    <a:lnB w="7620" cap="flat" cmpd="sng" algn="ctr">
-                      <a:solidFill>
-                        <a:srgbClr val="DFE2E5"/>
-                      </a:solidFill>
-                      <a:prstDash val="solid"/>
-                      <a:round/>
-                      <a:headEnd type="none" w="med" len="med"/>
-                      <a:tailEnd type="none" w="med" len="med"/>
-                    </a:lnB>
-                    <a:solidFill>
-                      <a:srgbClr val="FFFFFF"/>
-                    </a:solidFill>
-                  </a:tcPr>
-                </a:tc>
-                <a:tc>
-                  <a:txBody>
-                    <a:bodyPr/>
-                    <a:lstStyle/>
-                    <a:p>
-                      <a:r>
-                        <a:rPr lang="en-CA" dirty="0">
-                          <a:effectLst/>
-                        </a:rPr>
-                        <a:t>0.462191</a:t>
-                      </a:r>
-                    </a:p>
-                  </a:txBody>
-                  <a:tcPr marL="99060" marR="99060" anchor="ctr">
-                    <a:lnL w="7620" cap="flat" cmpd="sng" algn="ctr">
-                      <a:solidFill>
-                        <a:srgbClr val="DFE2E5"/>
-                      </a:solidFill>
-                      <a:prstDash val="solid"/>
-                      <a:round/>
-                      <a:headEnd type="none" w="med" len="med"/>
-                      <a:tailEnd type="none" w="med" len="med"/>
-                    </a:lnL>
-                    <a:lnR w="7620" cap="flat" cmpd="sng" algn="ctr">
-                      <a:solidFill>
-                        <a:srgbClr val="DFE2E5"/>
-                      </a:solidFill>
-                      <a:prstDash val="solid"/>
-                      <a:round/>
-                      <a:headEnd type="none" w="med" len="med"/>
-                      <a:tailEnd type="none" w="med" len="med"/>
-                    </a:lnR>
-                    <a:lnT w="7620" cap="flat" cmpd="sng" algn="ctr">
-                      <a:solidFill>
-                        <a:srgbClr val="DFE2E5"/>
-                      </a:solidFill>
-                      <a:prstDash val="solid"/>
-                      <a:round/>
-                      <a:headEnd type="none" w="med" len="med"/>
-                      <a:tailEnd type="none" w="med" len="med"/>
-                    </a:lnT>
-                    <a:lnB w="7620" cap="flat" cmpd="sng" algn="ctr">
-                      <a:solidFill>
-                        <a:srgbClr val="DFE2E5"/>
-                      </a:solidFill>
-                      <a:prstDash val="solid"/>
-                      <a:round/>
-                      <a:headEnd type="none" w="med" len="med"/>
-                      <a:tailEnd type="none" w="med" len="med"/>
-                    </a:lnB>
-                    <a:solidFill>
-                      <a:srgbClr val="FFFFFF"/>
-                    </a:solidFill>
-                  </a:tcPr>
-                </a:tc>
-                <a:extLst>
-                  <a:ext uri="{0D108BD9-81ED-4DB2-BD59-A6C34878D82A}">
-                    <a16:rowId xmlns:a16="http://schemas.microsoft.com/office/drawing/2014/main" val="3894251078"/>
-                  </a:ext>
-                </a:extLst>
-              </a:tr>
-              <a:tr h="363238">
-                <a:tc>
-                  <a:txBody>
-                    <a:bodyPr/>
-                    <a:lstStyle/>
-                    <a:p>
-                      <a:r>
-                        <a:rPr lang="en-CA">
-                          <a:effectLst/>
-                        </a:rPr>
-                        <a:t>LogisticRegression</a:t>
-                      </a:r>
-                    </a:p>
-                  </a:txBody>
-                  <a:tcPr marL="99060" marR="99060" anchor="ctr">
-                    <a:lnL w="7620" cap="flat" cmpd="sng" algn="ctr">
-                      <a:solidFill>
-                        <a:srgbClr val="DFE2E5"/>
-                      </a:solidFill>
-                      <a:prstDash val="solid"/>
-                      <a:round/>
-                      <a:headEnd type="none" w="med" len="med"/>
-                      <a:tailEnd type="none" w="med" len="med"/>
-                    </a:lnL>
-                    <a:lnR w="7620" cap="flat" cmpd="sng" algn="ctr">
-                      <a:solidFill>
-                        <a:srgbClr val="DFE2E5"/>
-                      </a:solidFill>
-                      <a:prstDash val="solid"/>
-                      <a:round/>
-                      <a:headEnd type="none" w="med" len="med"/>
-                      <a:tailEnd type="none" w="med" len="med"/>
-                    </a:lnR>
-                    <a:lnT w="7620" cap="flat" cmpd="sng" algn="ctr">
-                      <a:solidFill>
-                        <a:srgbClr val="DFE2E5"/>
-                      </a:solidFill>
-                      <a:prstDash val="solid"/>
-                      <a:round/>
-                      <a:headEnd type="none" w="med" len="med"/>
-                      <a:tailEnd type="none" w="med" len="med"/>
-                    </a:lnT>
-                    <a:lnB w="7620" cap="flat" cmpd="sng" algn="ctr">
-                      <a:solidFill>
-                        <a:srgbClr val="DFE2E5"/>
-                      </a:solidFill>
-                      <a:prstDash val="solid"/>
-                      <a:round/>
-                      <a:headEnd type="none" w="med" len="med"/>
-                      <a:tailEnd type="none" w="med" len="med"/>
-                    </a:lnB>
-                    <a:solidFill>
-                      <a:srgbClr val="F6F8FA"/>
-                    </a:solidFill>
-                  </a:tcPr>
-                </a:tc>
-                <a:tc>
-                  <a:txBody>
-                    <a:bodyPr/>
-                    <a:lstStyle/>
-                    <a:p>
-                      <a:r>
-                        <a:rPr lang="en-CA">
-                          <a:effectLst/>
-                        </a:rPr>
-                        <a:t>0.439927</a:t>
-                      </a:r>
-                    </a:p>
-                  </a:txBody>
-                  <a:tcPr marL="99060" marR="99060" anchor="ctr">
-                    <a:lnL w="7620" cap="flat" cmpd="sng" algn="ctr">
-                      <a:solidFill>
-                        <a:srgbClr val="DFE2E5"/>
-                      </a:solidFill>
-                      <a:prstDash val="solid"/>
-                      <a:round/>
-                      <a:headEnd type="none" w="med" len="med"/>
-                      <a:tailEnd type="none" w="med" len="med"/>
-                    </a:lnL>
-                    <a:lnR w="7620" cap="flat" cmpd="sng" algn="ctr">
-                      <a:solidFill>
-                        <a:srgbClr val="DFE2E5"/>
-                      </a:solidFill>
-                      <a:prstDash val="solid"/>
-                      <a:round/>
-                      <a:headEnd type="none" w="med" len="med"/>
-                      <a:tailEnd type="none" w="med" len="med"/>
-                    </a:lnR>
-                    <a:lnT w="7620" cap="flat" cmpd="sng" algn="ctr">
-                      <a:solidFill>
-                        <a:srgbClr val="DFE2E5"/>
-                      </a:solidFill>
-                      <a:prstDash val="solid"/>
-                      <a:round/>
-                      <a:headEnd type="none" w="med" len="med"/>
-                      <a:tailEnd type="none" w="med" len="med"/>
-                    </a:lnT>
-                    <a:lnB w="7620" cap="flat" cmpd="sng" algn="ctr">
-                      <a:solidFill>
-                        <a:srgbClr val="DFE2E5"/>
-                      </a:solidFill>
-                      <a:prstDash val="solid"/>
-                      <a:round/>
-                      <a:headEnd type="none" w="med" len="med"/>
-                      <a:tailEnd type="none" w="med" len="med"/>
-                    </a:lnB>
-                    <a:solidFill>
-                      <a:srgbClr val="F6F8FA"/>
-                    </a:solidFill>
-                  </a:tcPr>
-                </a:tc>
-                <a:extLst>
-                  <a:ext uri="{0D108BD9-81ED-4DB2-BD59-A6C34878D82A}">
-                    <a16:rowId xmlns:a16="http://schemas.microsoft.com/office/drawing/2014/main" val="3642530777"/>
-                  </a:ext>
-                </a:extLst>
-              </a:tr>
-              <a:tr h="363238">
-                <a:tc>
-                  <a:txBody>
-                    <a:bodyPr/>
-                    <a:lstStyle/>
-                    <a:p>
-                      <a:r>
-                        <a:rPr lang="en-CA">
-                          <a:effectLst/>
-                        </a:rPr>
-                        <a:t>RandomForestClassifier</a:t>
-                      </a:r>
-                    </a:p>
-                  </a:txBody>
-                  <a:tcPr marL="99060" marR="99060" anchor="ctr">
-                    <a:lnL w="7620" cap="flat" cmpd="sng" algn="ctr">
-                      <a:solidFill>
-                        <a:srgbClr val="DFE2E5"/>
-                      </a:solidFill>
-                      <a:prstDash val="solid"/>
-                      <a:round/>
-                      <a:headEnd type="none" w="med" len="med"/>
-                      <a:tailEnd type="none" w="med" len="med"/>
-                    </a:lnL>
-                    <a:lnR w="7620" cap="flat" cmpd="sng" algn="ctr">
-                      <a:solidFill>
-                        <a:srgbClr val="DFE2E5"/>
-                      </a:solidFill>
-                      <a:prstDash val="solid"/>
-                      <a:round/>
-                      <a:headEnd type="none" w="med" len="med"/>
-                      <a:tailEnd type="none" w="med" len="med"/>
-                    </a:lnR>
-                    <a:lnT w="7620" cap="flat" cmpd="sng" algn="ctr">
-                      <a:solidFill>
-                        <a:srgbClr val="DFE2E5"/>
-                      </a:solidFill>
-                      <a:prstDash val="solid"/>
-                      <a:round/>
-                      <a:headEnd type="none" w="med" len="med"/>
-                      <a:tailEnd type="none" w="med" len="med"/>
-                    </a:lnT>
-                    <a:lnB w="7620" cap="flat" cmpd="sng" algn="ctr">
-                      <a:solidFill>
-                        <a:srgbClr val="DFE2E5"/>
-                      </a:solidFill>
-                      <a:prstDash val="solid"/>
-                      <a:round/>
-                      <a:headEnd type="none" w="med" len="med"/>
-                      <a:tailEnd type="none" w="med" len="med"/>
-                    </a:lnB>
-                    <a:solidFill>
-                      <a:srgbClr val="FFFFFF"/>
-                    </a:solidFill>
-                  </a:tcPr>
-                </a:tc>
-                <a:tc>
-                  <a:txBody>
-                    <a:bodyPr/>
-                    <a:lstStyle/>
-                    <a:p>
-                      <a:r>
-                        <a:rPr lang="en-CA">
-                          <a:effectLst/>
-                        </a:rPr>
-                        <a:t>0.404377</a:t>
-                      </a:r>
-                    </a:p>
-                  </a:txBody>
-                  <a:tcPr marL="99060" marR="99060" anchor="ctr">
-                    <a:lnL w="7620" cap="flat" cmpd="sng" algn="ctr">
-                      <a:solidFill>
-                        <a:srgbClr val="DFE2E5"/>
-                      </a:solidFill>
-                      <a:prstDash val="solid"/>
-                      <a:round/>
-                      <a:headEnd type="none" w="med" len="med"/>
-                      <a:tailEnd type="none" w="med" len="med"/>
-                    </a:lnL>
-                    <a:lnR w="7620" cap="flat" cmpd="sng" algn="ctr">
-                      <a:solidFill>
-                        <a:srgbClr val="DFE2E5"/>
-                      </a:solidFill>
-                      <a:prstDash val="solid"/>
-                      <a:round/>
-                      <a:headEnd type="none" w="med" len="med"/>
-                      <a:tailEnd type="none" w="med" len="med"/>
-                    </a:lnR>
-                    <a:lnT w="7620" cap="flat" cmpd="sng" algn="ctr">
-                      <a:solidFill>
-                        <a:srgbClr val="DFE2E5"/>
-                      </a:solidFill>
-                      <a:prstDash val="solid"/>
-                      <a:round/>
-                      <a:headEnd type="none" w="med" len="med"/>
-                      <a:tailEnd type="none" w="med" len="med"/>
-                    </a:lnT>
-                    <a:lnB w="7620" cap="flat" cmpd="sng" algn="ctr">
-                      <a:solidFill>
-                        <a:srgbClr val="DFE2E5"/>
-                      </a:solidFill>
-                      <a:prstDash val="solid"/>
-                      <a:round/>
-                      <a:headEnd type="none" w="med" len="med"/>
-                      <a:tailEnd type="none" w="med" len="med"/>
-                    </a:lnB>
-                    <a:solidFill>
-                      <a:srgbClr val="FFFFFF"/>
-                    </a:solidFill>
-                  </a:tcPr>
-                </a:tc>
-                <a:extLst>
-                  <a:ext uri="{0D108BD9-81ED-4DB2-BD59-A6C34878D82A}">
-                    <a16:rowId xmlns:a16="http://schemas.microsoft.com/office/drawing/2014/main" val="3612235377"/>
-                  </a:ext>
-                </a:extLst>
-              </a:tr>
-              <a:tr h="363238">
-                <a:tc>
-                  <a:txBody>
-                    <a:bodyPr/>
-                    <a:lstStyle/>
-                    <a:p>
-                      <a:r>
-                        <a:rPr lang="en-CA">
-                          <a:effectLst/>
-                        </a:rPr>
-                        <a:t>KNeighborsClassifier</a:t>
-                      </a:r>
-                    </a:p>
-                  </a:txBody>
-                  <a:tcPr marL="99060" marR="99060" anchor="ctr">
-                    <a:lnL w="7620" cap="flat" cmpd="sng" algn="ctr">
-                      <a:solidFill>
-                        <a:srgbClr val="DFE2E5"/>
-                      </a:solidFill>
-                      <a:prstDash val="solid"/>
-                      <a:round/>
-                      <a:headEnd type="none" w="med" len="med"/>
-                      <a:tailEnd type="none" w="med" len="med"/>
-                    </a:lnL>
-                    <a:lnR w="7620" cap="flat" cmpd="sng" algn="ctr">
-                      <a:solidFill>
-                        <a:srgbClr val="DFE2E5"/>
-                      </a:solidFill>
-                      <a:prstDash val="solid"/>
-                      <a:round/>
-                      <a:headEnd type="none" w="med" len="med"/>
-                      <a:tailEnd type="none" w="med" len="med"/>
-                    </a:lnR>
-                    <a:lnT w="7620" cap="flat" cmpd="sng" algn="ctr">
-                      <a:solidFill>
-                        <a:srgbClr val="DFE2E5"/>
-                      </a:solidFill>
-                      <a:prstDash val="solid"/>
-                      <a:round/>
-                      <a:headEnd type="none" w="med" len="med"/>
-                      <a:tailEnd type="none" w="med" len="med"/>
-                    </a:lnT>
-                    <a:lnB w="7620" cap="flat" cmpd="sng" algn="ctr">
-                      <a:solidFill>
-                        <a:srgbClr val="DFE2E5"/>
-                      </a:solidFill>
-                      <a:prstDash val="solid"/>
-                      <a:round/>
-                      <a:headEnd type="none" w="med" len="med"/>
-                      <a:tailEnd type="none" w="med" len="med"/>
-                    </a:lnB>
-                    <a:solidFill>
-                      <a:srgbClr val="F6F8FA"/>
-                    </a:solidFill>
-                  </a:tcPr>
-                </a:tc>
-                <a:tc>
-                  <a:txBody>
-                    <a:bodyPr/>
-                    <a:lstStyle/>
-                    <a:p>
-                      <a:r>
-                        <a:rPr lang="en-CA">
-                          <a:effectLst/>
-                        </a:rPr>
-                        <a:t>0.349087</a:t>
-                      </a:r>
-                    </a:p>
-                  </a:txBody>
-                  <a:tcPr marL="99060" marR="99060" anchor="ctr">
-                    <a:lnL w="7620" cap="flat" cmpd="sng" algn="ctr">
-                      <a:solidFill>
-                        <a:srgbClr val="DFE2E5"/>
-                      </a:solidFill>
-                      <a:prstDash val="solid"/>
-                      <a:round/>
-                      <a:headEnd type="none" w="med" len="med"/>
-                      <a:tailEnd type="none" w="med" len="med"/>
-                    </a:lnL>
-                    <a:lnR w="7620" cap="flat" cmpd="sng" algn="ctr">
-                      <a:solidFill>
-                        <a:srgbClr val="DFE2E5"/>
-                      </a:solidFill>
-                      <a:prstDash val="solid"/>
-                      <a:round/>
-                      <a:headEnd type="none" w="med" len="med"/>
-                      <a:tailEnd type="none" w="med" len="med"/>
-                    </a:lnR>
-                    <a:lnT w="7620" cap="flat" cmpd="sng" algn="ctr">
-                      <a:solidFill>
-                        <a:srgbClr val="DFE2E5"/>
-                      </a:solidFill>
-                      <a:prstDash val="solid"/>
-                      <a:round/>
-                      <a:headEnd type="none" w="med" len="med"/>
-                      <a:tailEnd type="none" w="med" len="med"/>
-                    </a:lnT>
-                    <a:lnB w="7620" cap="flat" cmpd="sng" algn="ctr">
-                      <a:solidFill>
-                        <a:srgbClr val="DFE2E5"/>
-                      </a:solidFill>
-                      <a:prstDash val="solid"/>
-                      <a:round/>
-                      <a:headEnd type="none" w="med" len="med"/>
-                      <a:tailEnd type="none" w="med" len="med"/>
-                    </a:lnB>
-                    <a:solidFill>
-                      <a:srgbClr val="F6F8FA"/>
-                    </a:solidFill>
-                  </a:tcPr>
-                </a:tc>
-                <a:extLst>
-                  <a:ext uri="{0D108BD9-81ED-4DB2-BD59-A6C34878D82A}">
-                    <a16:rowId xmlns:a16="http://schemas.microsoft.com/office/drawing/2014/main" val="3306219586"/>
-                  </a:ext>
-                </a:extLst>
-              </a:tr>
-              <a:tr h="363238">
-                <a:tc>
-                  <a:txBody>
-                    <a:bodyPr/>
-                    <a:lstStyle/>
-                    <a:p>
-                      <a:r>
-                        <a:rPr lang="en-CA" dirty="0" err="1">
-                          <a:effectLst/>
-                        </a:rPr>
-                        <a:t>DecisionTreeClassifier</a:t>
-                      </a:r>
-                      <a:endParaRPr lang="en-CA" dirty="0">
-                        <a:effectLst/>
-                      </a:endParaRPr>
-                    </a:p>
-                  </a:txBody>
-                  <a:tcPr marL="99060" marR="99060" anchor="ctr">
-                    <a:lnL w="7620" cap="flat" cmpd="sng" algn="ctr">
-                      <a:solidFill>
-                        <a:srgbClr val="DFE2E5"/>
-                      </a:solidFill>
-                      <a:prstDash val="solid"/>
-                      <a:round/>
-                      <a:headEnd type="none" w="med" len="med"/>
-                      <a:tailEnd type="none" w="med" len="med"/>
-                    </a:lnL>
-                    <a:lnR w="7620" cap="flat" cmpd="sng" algn="ctr">
-                      <a:solidFill>
-                        <a:srgbClr val="DFE2E5"/>
-                      </a:solidFill>
-                      <a:prstDash val="solid"/>
-                      <a:round/>
-                      <a:headEnd type="none" w="med" len="med"/>
-                      <a:tailEnd type="none" w="med" len="med"/>
-                    </a:lnR>
-                    <a:lnT w="7620" cap="flat" cmpd="sng" algn="ctr">
-                      <a:solidFill>
-                        <a:srgbClr val="DFE2E5"/>
-                      </a:solidFill>
-                      <a:prstDash val="solid"/>
-                      <a:round/>
-                      <a:headEnd type="none" w="med" len="med"/>
-                      <a:tailEnd type="none" w="med" len="med"/>
-                    </a:lnT>
-                    <a:lnB w="7620" cap="flat" cmpd="sng" algn="ctr">
-                      <a:solidFill>
-                        <a:srgbClr val="DFE2E5"/>
-                      </a:solidFill>
-                      <a:prstDash val="solid"/>
-                      <a:round/>
-                      <a:headEnd type="none" w="med" len="med"/>
-                      <a:tailEnd type="none" w="med" len="med"/>
-                    </a:lnB>
-                    <a:solidFill>
-                      <a:srgbClr val="FFFFFF"/>
-                    </a:solidFill>
-                  </a:tcPr>
-                </a:tc>
-                <a:tc>
-                  <a:txBody>
-                    <a:bodyPr/>
-                    <a:lstStyle/>
-                    <a:p>
-                      <a:r>
-                        <a:rPr lang="en-CA" dirty="0">
-                          <a:effectLst/>
-                        </a:rPr>
-                        <a:t>0.322822</a:t>
-                      </a:r>
-                    </a:p>
-                  </a:txBody>
-                  <a:tcPr marL="99060" marR="99060" anchor="ctr">
-                    <a:lnL w="7620" cap="flat" cmpd="sng" algn="ctr">
-                      <a:solidFill>
-                        <a:srgbClr val="DFE2E5"/>
-                      </a:solidFill>
-                      <a:prstDash val="solid"/>
-                      <a:round/>
-                      <a:headEnd type="none" w="med" len="med"/>
-                      <a:tailEnd type="none" w="med" len="med"/>
-                    </a:lnL>
-                    <a:lnR w="7620" cap="flat" cmpd="sng" algn="ctr">
-                      <a:solidFill>
-                        <a:srgbClr val="DFE2E5"/>
-                      </a:solidFill>
-                      <a:prstDash val="solid"/>
-                      <a:round/>
-                      <a:headEnd type="none" w="med" len="med"/>
-                      <a:tailEnd type="none" w="med" len="med"/>
-                    </a:lnR>
-                    <a:lnT w="7620" cap="flat" cmpd="sng" algn="ctr">
-                      <a:solidFill>
-                        <a:srgbClr val="DFE2E5"/>
-                      </a:solidFill>
-                      <a:prstDash val="solid"/>
-                      <a:round/>
-                      <a:headEnd type="none" w="med" len="med"/>
-                      <a:tailEnd type="none" w="med" len="med"/>
-                    </a:lnT>
-                    <a:lnB w="7620" cap="flat" cmpd="sng" algn="ctr">
-                      <a:solidFill>
-                        <a:srgbClr val="DFE2E5"/>
-                      </a:solidFill>
-                      <a:prstDash val="solid"/>
-                      <a:round/>
-                      <a:headEnd type="none" w="med" len="med"/>
-                      <a:tailEnd type="none" w="med" len="med"/>
-                    </a:lnB>
-                    <a:solidFill>
-                      <a:srgbClr val="FFFFFF"/>
-                    </a:solidFill>
-                  </a:tcPr>
-                </a:tc>
-                <a:extLst>
-                  <a:ext uri="{0D108BD9-81ED-4DB2-BD59-A6C34878D82A}">
-                    <a16:rowId xmlns:a16="http://schemas.microsoft.com/office/drawing/2014/main" val="1832446804"/>
-                  </a:ext>
-                </a:extLst>
-              </a:tr>
-            </a:tbl>
-          </a:graphicData>
-        </a:graphic>
-      </p:graphicFrame>
       <p:pic>
         <p:nvPicPr>
           <p:cNvPr id="7" name="Picture 6">
@@ -5249,7 +4397,7 @@
         </p:blipFill>
         <p:spPr>
           <a:xfrm>
-            <a:off x="6474277" y="3983389"/>
+            <a:off x="6509787" y="1985990"/>
             <a:ext cx="4324352" cy="2267744"/>
           </a:xfrm>
           <a:prstGeom prst="rect">
@@ -5279,7 +4427,7 @@
         </p:blipFill>
         <p:spPr>
           <a:xfrm>
-            <a:off x="6474277" y="1373342"/>
+            <a:off x="1023388" y="2074678"/>
             <a:ext cx="4324352" cy="2090369"/>
           </a:xfrm>
           <a:prstGeom prst="rect">
@@ -5301,7 +4449,7 @@
         </p:nvSpPr>
         <p:spPr>
           <a:xfrm>
-            <a:off x="7841908" y="991809"/>
+            <a:off x="2248976" y="1506714"/>
             <a:ext cx="1589089" cy="369332"/>
           </a:xfrm>
           <a:prstGeom prst="rect">
@@ -5336,7 +4484,7 @@
         </p:nvSpPr>
         <p:spPr>
           <a:xfrm>
-            <a:off x="8188003" y="3614057"/>
+            <a:off x="8250147" y="1506714"/>
             <a:ext cx="976293" cy="369332"/>
           </a:xfrm>
           <a:prstGeom prst="rect">
@@ -9239,55 +8387,6 @@
       </p:sp>
       <p:sp>
         <p:nvSpPr>
-          <p:cNvPr id="3" name="Content Placeholder 2">
-            <a:extLst>
-              <a:ext uri="{FF2B5EF4-FFF2-40B4-BE49-F238E27FC236}">
-                <a16:creationId xmlns:a16="http://schemas.microsoft.com/office/drawing/2014/main" id="{1680FD10-4EA8-4251-BCFA-BD2C3C1B20D6}"/>
-              </a:ext>
-            </a:extLst>
-          </p:cNvPr>
-          <p:cNvSpPr>
-            <a:spLocks noGrp="1"/>
-          </p:cNvSpPr>
-          <p:nvPr>
-            <p:ph idx="1"/>
-          </p:nvPr>
-        </p:nvSpPr>
-        <p:spPr>
-          <a:xfrm>
-            <a:off x="2624137" y="5371260"/>
-            <a:ext cx="8805863" cy="1508125"/>
-          </a:xfrm>
-        </p:spPr>
-        <p:txBody>
-          <a:bodyPr>
-            <a:normAutofit/>
-          </a:bodyPr>
-          <a:lstStyle/>
-          <a:p>
-            <a:pPr marL="0" indent="0">
-              <a:buNone/>
-            </a:pPr>
-            <a:r>
-              <a:rPr lang="en-CA" sz="2000" dirty="0">
-                <a:solidFill>
-                  <a:schemeClr val="bg1"/>
-                </a:solidFill>
-              </a:rPr>
-              <a:t>Balancing dataset improved performance of classifiers</a:t>
-            </a:r>
-          </a:p>
-          <a:p>
-            <a:endParaRPr lang="en-CA" sz="2000" dirty="0">
-              <a:solidFill>
-                <a:schemeClr val="bg1"/>
-              </a:solidFill>
-            </a:endParaRPr>
-          </a:p>
-        </p:txBody>
-      </p:sp>
-      <p:sp>
-        <p:nvSpPr>
           <p:cNvPr id="4" name="Content Placeholder 2">
             <a:extLst>
               <a:ext uri="{FF2B5EF4-FFF2-40B4-BE49-F238E27FC236}">
@@ -9302,7 +8401,7 @@
         </p:nvSpPr>
         <p:spPr>
           <a:xfrm>
-            <a:off x="1443813" y="3617710"/>
+            <a:off x="1328403" y="4475749"/>
             <a:ext cx="8605838" cy="1508125"/>
           </a:xfrm>
           <a:prstGeom prst="rect">
@@ -9515,7 +8614,7 @@
         </p:nvSpPr>
         <p:spPr>
           <a:xfrm>
-            <a:off x="2947988" y="1647314"/>
+            <a:off x="2974621" y="1890365"/>
             <a:ext cx="8405812" cy="1508125"/>
           </a:xfrm>
           <a:prstGeom prst="rect">
@@ -9744,7 +8843,7 @@
         </p:blipFill>
         <p:spPr>
           <a:xfrm>
-            <a:off x="8801100" y="3311960"/>
+            <a:off x="8770845" y="4125855"/>
             <a:ext cx="914400" cy="914400"/>
           </a:xfrm>
           <a:prstGeom prst="rect">
@@ -9783,7 +8882,7 @@
         </p:blipFill>
         <p:spPr>
           <a:xfrm>
-            <a:off x="1400175" y="1408425"/>
+            <a:off x="1620801" y="1628188"/>
             <a:ext cx="914400" cy="914400"/>
           </a:xfrm>
           <a:prstGeom prst="rect">
@@ -9791,45 +8890,6 @@
           </a:prstGeom>
         </p:spPr>
       </p:pic>
-      <p:pic>
-        <p:nvPicPr>
-          <p:cNvPr id="13" name="Graphic 12" descr="Playbook">
-            <a:extLst>
-              <a:ext uri="{FF2B5EF4-FFF2-40B4-BE49-F238E27FC236}">
-                <a16:creationId xmlns:a16="http://schemas.microsoft.com/office/drawing/2014/main" id="{20596323-CE3A-4579-9383-BCB7FBE32624}"/>
-              </a:ext>
-            </a:extLst>
-          </p:cNvPr>
-          <p:cNvPicPr>
-            <a:picLocks noChangeAspect="1"/>
-          </p:cNvPicPr>
-          <p:nvPr/>
-        </p:nvPicPr>
-        <p:blipFill>
-          <a:blip r:embed="rId6">
-            <a:extLst>
-              <a:ext uri="{28A0092B-C50C-407E-A947-70E740481C1C}">
-                <a14:useLocalDpi xmlns:a14="http://schemas.microsoft.com/office/drawing/2010/main" val="0"/>
-              </a:ext>
-              <a:ext uri="{96DAC541-7B7A-43D3-8B79-37D633B846F1}">
-                <asvg:svgBlip xmlns:asvg="http://schemas.microsoft.com/office/drawing/2016/SVG/main" r:embed="rId7"/>
-              </a:ext>
-            </a:extLst>
-          </a:blip>
-          <a:stretch>
-            <a:fillRect/>
-          </a:stretch>
-        </p:blipFill>
-        <p:spPr>
-          <a:xfrm>
-            <a:off x="1400175" y="5119691"/>
-            <a:ext cx="914400" cy="914400"/>
-          </a:xfrm>
-          <a:prstGeom prst="rect">
-            <a:avLst/>
-          </a:prstGeom>
-        </p:spPr>
-      </p:pic>
       <p:sp>
         <p:nvSpPr>
           <p:cNvPr id="15" name="Rectangle: Rounded Corners 14">
@@ -9844,7 +8904,7 @@
         </p:nvSpPr>
         <p:spPr>
           <a:xfrm>
-            <a:off x="1009651" y="1103377"/>
+            <a:off x="1009651" y="1338777"/>
             <a:ext cx="9474162" cy="1524863"/>
           </a:xfrm>
           <a:prstGeom prst="roundRect">
@@ -9878,10 +8938,10 @@
       </p:sp>
       <p:sp>
         <p:nvSpPr>
-          <p:cNvPr id="17" name="Rectangle: Rounded Corners 16">
-            <a:extLst>
-              <a:ext uri="{FF2B5EF4-FFF2-40B4-BE49-F238E27FC236}">
-                <a16:creationId xmlns:a16="http://schemas.microsoft.com/office/drawing/2014/main" id="{60317598-DBD3-484E-8C87-8674962009FE}"/>
+          <p:cNvPr id="18" name="Rectangle: Rounded Corners 17">
+            <a:extLst>
+              <a:ext uri="{FF2B5EF4-FFF2-40B4-BE49-F238E27FC236}">
+                <a16:creationId xmlns:a16="http://schemas.microsoft.com/office/drawing/2014/main" id="{497DE4D5-CEC2-4F32-858F-EB168433ED44}"/>
               </a:ext>
             </a:extLst>
           </p:cNvPr>
@@ -9890,53 +8950,7 @@
         </p:nvSpPr>
         <p:spPr>
           <a:xfrm>
-            <a:off x="1009651" y="4905381"/>
-            <a:ext cx="9474162" cy="1524863"/>
-          </a:xfrm>
-          <a:prstGeom prst="roundRect">
-            <a:avLst/>
-          </a:prstGeom>
-          <a:noFill/>
-          <a:ln w="28575"/>
-        </p:spPr>
-        <p:style>
-          <a:lnRef idx="2">
-            <a:schemeClr val="accent5"/>
-          </a:lnRef>
-          <a:fillRef idx="1">
-            <a:schemeClr val="lt1"/>
-          </a:fillRef>
-          <a:effectRef idx="0">
-            <a:schemeClr val="accent5"/>
-          </a:effectRef>
-          <a:fontRef idx="minor">
-            <a:schemeClr val="dk1"/>
-          </a:fontRef>
-        </p:style>
-        <p:txBody>
-          <a:bodyPr rtlCol="0" anchor="ctr"/>
-          <a:lstStyle/>
-          <a:p>
-            <a:pPr algn="ctr"/>
-            <a:endParaRPr lang="en-CA"/>
-          </a:p>
-        </p:txBody>
-      </p:sp>
-      <p:sp>
-        <p:nvSpPr>
-          <p:cNvPr id="18" name="Rectangle: Rounded Corners 17">
-            <a:extLst>
-              <a:ext uri="{FF2B5EF4-FFF2-40B4-BE49-F238E27FC236}">
-                <a16:creationId xmlns:a16="http://schemas.microsoft.com/office/drawing/2014/main" id="{497DE4D5-CEC2-4F32-858F-EB168433ED44}"/>
-              </a:ext>
-            </a:extLst>
-          </p:cNvPr>
-          <p:cNvSpPr/>
-          <p:nvPr/>
-        </p:nvSpPr>
-        <p:spPr>
-          <a:xfrm>
-            <a:off x="1009651" y="3074764"/>
+            <a:off x="1009651" y="3804371"/>
             <a:ext cx="9474162" cy="1524863"/>
           </a:xfrm>
           <a:prstGeom prst="roundRect">
